--- a/Max_Pooling_Layer.pptx
+++ b/Max_Pooling_Layer.pptx
@@ -3572,13 +3572,14 @@
           </p:cNvPr>
           <p:cNvCxnSpPr>
             <a:cxnSpLocks/>
+            <a:stCxn id="9" idx="3"/>
           </p:cNvCxnSpPr>
           <p:nvPr/>
         </p:nvCxnSpPr>
         <p:spPr>
           <a:xfrm>
-            <a:off x="5914007" y="3312851"/>
-            <a:ext cx="1047565" cy="0"/>
+            <a:off x="6045692" y="3306932"/>
+            <a:ext cx="915880" cy="5919"/>
           </a:xfrm>
           <a:prstGeom prst="straightConnector1">
             <a:avLst/>
@@ -3793,13 +3794,14 @@
           </p:cNvPr>
           <p:cNvCxnSpPr>
             <a:cxnSpLocks/>
+            <a:stCxn id="15" idx="3"/>
           </p:cNvCxnSpPr>
           <p:nvPr/>
         </p:nvCxnSpPr>
         <p:spPr>
-          <a:xfrm>
-            <a:off x="6030897" y="5462727"/>
-            <a:ext cx="1047565" cy="0"/>
+          <a:xfrm flipV="1">
+            <a:off x="6056049" y="5462728"/>
+            <a:ext cx="1022413" cy="2958"/>
           </a:xfrm>
           <a:prstGeom prst="straightConnector1">
             <a:avLst/>
@@ -4450,13 +4452,14 @@
           </p:cNvPr>
           <p:cNvCxnSpPr>
             <a:cxnSpLocks/>
+            <a:stCxn id="19" idx="3"/>
           </p:cNvCxnSpPr>
           <p:nvPr/>
         </p:nvCxnSpPr>
         <p:spPr>
           <a:xfrm>
-            <a:off x="6013141" y="1130424"/>
-            <a:ext cx="1047565" cy="0"/>
+            <a:off x="6144826" y="1124505"/>
+            <a:ext cx="915880" cy="5919"/>
           </a:xfrm>
           <a:prstGeom prst="straightConnector1">
             <a:avLst/>
